--- a/Collaborator vs. SCMs Substitutes.pptx
+++ b/Collaborator vs. SCMs Substitutes.pptx
@@ -12906,17 +12906,42 @@
               <a:rPr lang="en-US" sz="3200" dirty="0"/>
             </a:br>
             <a:r>
-              <a:rPr lang="en-US" sz="3200" dirty="0" err="1"/>
-              <a:t>Qualty</a:t>
+              <a:rPr lang="en-US" sz="3200" dirty="0"/>
+              <a:t>Quality-First Teams</a:t>
             </a:r>
-            <a:r>
-              <a:rPr lang="en-US" sz="3200"/>
-              <a:t>-First Teams</a:t>
-            </a:r>
-            <a:endParaRPr lang="en-US" sz="3200" dirty="0"/>
-          </a:p>
-        </p:txBody>
-      </p:sp>
+          </a:p>
+        </p:txBody>
+      </p:sp>
+      <p:pic>
+        <p:nvPicPr>
+          <p:cNvPr id="3" name="Picture 2"/>
+          <p:cNvPicPr>
+            <a:picLocks noChangeAspect="1"/>
+          </p:cNvPicPr>
+          <p:nvPr/>
+        </p:nvPicPr>
+        <p:blipFill>
+          <a:blip r:embed="rId3" cstate="print">
+            <a:extLst>
+              <a:ext uri="{28A0092B-C50C-407E-A947-70E740481C1C}">
+                <a14:useLocalDpi xmlns:a14="http://schemas.microsoft.com/office/drawing/2010/main"/>
+              </a:ext>
+            </a:extLst>
+          </a:blip>
+          <a:stretch>
+            <a:fillRect/>
+          </a:stretch>
+        </p:blipFill>
+        <p:spPr>
+          <a:xfrm>
+            <a:off x="1223998" y="3117729"/>
+            <a:ext cx="3566197" cy="1002434"/>
+          </a:xfrm>
+          <a:prstGeom prst="rect">
+            <a:avLst/>
+          </a:prstGeom>
+        </p:spPr>
+      </p:pic>
       <p:pic>
         <p:nvPicPr>
           <p:cNvPr id="6" name="Picture 5"/>
@@ -12926,7 +12951,7 @@
           <p:nvPr/>
         </p:nvPicPr>
         <p:blipFill rotWithShape="1">
-          <a:blip r:embed="rId3" cstate="print">
+          <a:blip r:embed="rId4" cstate="print">
             <a:extLst>
               <a:ext uri="{28A0092B-C50C-407E-A947-70E740481C1C}">
                 <a14:useLocalDpi xmlns:a14="http://schemas.microsoft.com/office/drawing/2010/main"/>
@@ -12937,39 +12962,9 @@
           <a:stretch/>
         </p:blipFill>
         <p:spPr>
-          <a:xfrm rot="10800000">
+          <a:xfrm>
             <a:off x="5064515" y="2538430"/>
             <a:ext cx="3707804" cy="2490770"/>
-          </a:xfrm>
-          <a:prstGeom prst="rect">
-            <a:avLst/>
-          </a:prstGeom>
-        </p:spPr>
-      </p:pic>
-      <p:pic>
-        <p:nvPicPr>
-          <p:cNvPr id="7" name="Picture 6">
-            <a:extLst>
-              <a:ext uri="{FF2B5EF4-FFF2-40B4-BE49-F238E27FC236}">
-                <a16:creationId xmlns:a16="http://schemas.microsoft.com/office/drawing/2014/main" id="{2D9AFB44-ACFC-4DBD-A2F6-AA32D2277097}"/>
-              </a:ext>
-            </a:extLst>
-          </p:cNvPr>
-          <p:cNvPicPr>
-            <a:picLocks noChangeAspect="1"/>
-          </p:cNvPicPr>
-          <p:nvPr/>
-        </p:nvPicPr>
-        <p:blipFill>
-          <a:blip r:embed="rId4"/>
-          <a:stretch>
-            <a:fillRect/>
-          </a:stretch>
-        </p:blipFill>
-        <p:spPr>
-          <a:xfrm>
-            <a:off x="1223998" y="3117729"/>
-            <a:ext cx="3566197" cy="999754"/>
           </a:xfrm>
           <a:prstGeom prst="rect">
             <a:avLst/>
